--- a/Hadoop/HIVE/hive_example/HIVE_예제.pptx
+++ b/Hadoop/HIVE/hive_example/HIVE_예제.pptx
@@ -309,12 +309,12 @@
         </c:dLbls>
         <c:gapWidth val="150"/>
         <c:shape val="box"/>
-        <c:axId val="103050240"/>
-        <c:axId val="109634688"/>
+        <c:axId val="50626048"/>
+        <c:axId val="78986560"/>
         <c:axId val="0"/>
       </c:bar3DChart>
       <c:catAx>
-        <c:axId val="103050240"/>
+        <c:axId val="50626048"/>
         <c:scaling>
           <c:orientation val="minMax"/>
         </c:scaling>
@@ -324,7 +324,7 @@
         <c:majorTickMark val="none"/>
         <c:minorTickMark val="none"/>
         <c:tickLblPos val="nextTo"/>
-        <c:crossAx val="109634688"/>
+        <c:crossAx val="78986560"/>
         <c:crosses val="autoZero"/>
         <c:auto val="1"/>
         <c:lblAlgn val="ctr"/>
@@ -332,7 +332,7 @@
         <c:noMultiLvlLbl val="0"/>
       </c:catAx>
       <c:valAx>
-        <c:axId val="109634688"/>
+        <c:axId val="78986560"/>
         <c:scaling>
           <c:orientation val="minMax"/>
         </c:scaling>
@@ -342,7 +342,7 @@
         <c:majorTickMark val="none"/>
         <c:minorTickMark val="none"/>
         <c:tickLblPos val="nextTo"/>
-        <c:crossAx val="103050240"/>
+        <c:crossAx val="50626048"/>
         <c:crosses val="autoZero"/>
         <c:crossBetween val="between"/>
       </c:valAx>
@@ -442,11 +442,11 @@
         </c:dLbls>
         <c:marker val="1"/>
         <c:smooth val="0"/>
-        <c:axId val="91399680"/>
-        <c:axId val="90986112"/>
+        <c:axId val="53230080"/>
+        <c:axId val="50534016"/>
       </c:lineChart>
       <c:catAx>
-        <c:axId val="91399680"/>
+        <c:axId val="53230080"/>
         <c:scaling>
           <c:orientation val="minMax"/>
         </c:scaling>
@@ -456,7 +456,7 @@
         <c:majorTickMark val="none"/>
         <c:minorTickMark val="none"/>
         <c:tickLblPos val="nextTo"/>
-        <c:crossAx val="90986112"/>
+        <c:crossAx val="50534016"/>
         <c:crosses val="autoZero"/>
         <c:auto val="1"/>
         <c:lblAlgn val="ctr"/>
@@ -464,7 +464,7 @@
         <c:noMultiLvlLbl val="0"/>
       </c:catAx>
       <c:valAx>
-        <c:axId val="90986112"/>
+        <c:axId val="50534016"/>
         <c:scaling>
           <c:orientation val="minMax"/>
         </c:scaling>
@@ -474,7 +474,7 @@
         <c:majorTickMark val="none"/>
         <c:minorTickMark val="none"/>
         <c:tickLblPos val="nextTo"/>
-        <c:crossAx val="91399680"/>
+        <c:crossAx val="53230080"/>
         <c:crosses val="autoZero"/>
         <c:crossBetween val="between"/>
       </c:valAx>
@@ -899,11 +899,11 @@
         </c:dLbls>
         <c:marker val="1"/>
         <c:smooth val="0"/>
-        <c:axId val="110198272"/>
-        <c:axId val="97103808"/>
+        <c:axId val="53231104"/>
+        <c:axId val="50535744"/>
       </c:lineChart>
       <c:catAx>
-        <c:axId val="110198272"/>
+        <c:axId val="53231104"/>
         <c:scaling>
           <c:orientation val="minMax"/>
         </c:scaling>
@@ -912,7 +912,7 @@
         <c:majorTickMark val="out"/>
         <c:minorTickMark val="none"/>
         <c:tickLblPos val="nextTo"/>
-        <c:crossAx val="97103808"/>
+        <c:crossAx val="50535744"/>
         <c:crosses val="autoZero"/>
         <c:auto val="1"/>
         <c:lblAlgn val="ctr"/>
@@ -920,7 +920,7 @@
         <c:noMultiLvlLbl val="0"/>
       </c:catAx>
       <c:valAx>
-        <c:axId val="97103808"/>
+        <c:axId val="50535744"/>
         <c:scaling>
           <c:orientation val="minMax"/>
         </c:scaling>
@@ -931,7 +931,7 @@
         <c:majorTickMark val="out"/>
         <c:minorTickMark val="none"/>
         <c:tickLblPos val="nextTo"/>
-        <c:crossAx val="110198272"/>
+        <c:crossAx val="53231104"/>
         <c:crosses val="autoZero"/>
         <c:crossBetween val="between"/>
       </c:valAx>
@@ -1023,12 +1023,12 @@
         </c:dLbls>
         <c:gapWidth val="150"/>
         <c:shape val="box"/>
-        <c:axId val="91428864"/>
-        <c:axId val="91007808"/>
+        <c:axId val="81380864"/>
+        <c:axId val="132335296"/>
         <c:axId val="0"/>
       </c:bar3DChart>
       <c:catAx>
-        <c:axId val="91428864"/>
+        <c:axId val="81380864"/>
         <c:scaling>
           <c:orientation val="minMax"/>
         </c:scaling>
@@ -1038,7 +1038,7 @@
         <c:majorTickMark val="none"/>
         <c:minorTickMark val="none"/>
         <c:tickLblPos val="nextTo"/>
-        <c:crossAx val="91007808"/>
+        <c:crossAx val="132335296"/>
         <c:crosses val="autoZero"/>
         <c:auto val="1"/>
         <c:lblAlgn val="ctr"/>
@@ -1046,7 +1046,7 @@
         <c:noMultiLvlLbl val="0"/>
       </c:catAx>
       <c:valAx>
-        <c:axId val="91007808"/>
+        <c:axId val="132335296"/>
         <c:scaling>
           <c:orientation val="minMax"/>
         </c:scaling>
@@ -1056,7 +1056,7 @@
         <c:majorTickMark val="none"/>
         <c:minorTickMark val="none"/>
         <c:tickLblPos val="nextTo"/>
-        <c:crossAx val="91428864"/>
+        <c:crossAx val="81380864"/>
         <c:crosses val="autoZero"/>
         <c:crossBetween val="between"/>
       </c:valAx>
@@ -1156,11 +1156,11 @@
         </c:dLbls>
         <c:marker val="1"/>
         <c:smooth val="0"/>
-        <c:axId val="91475968"/>
-        <c:axId val="91009536"/>
+        <c:axId val="81381376"/>
+        <c:axId val="132337024"/>
       </c:lineChart>
       <c:catAx>
-        <c:axId val="91475968"/>
+        <c:axId val="81381376"/>
         <c:scaling>
           <c:orientation val="minMax"/>
         </c:scaling>
@@ -1170,7 +1170,7 @@
         <c:majorTickMark val="none"/>
         <c:minorTickMark val="none"/>
         <c:tickLblPos val="nextTo"/>
-        <c:crossAx val="91009536"/>
+        <c:crossAx val="132337024"/>
         <c:crosses val="autoZero"/>
         <c:auto val="1"/>
         <c:lblAlgn val="ctr"/>
@@ -1178,7 +1178,7 @@
         <c:noMultiLvlLbl val="0"/>
       </c:catAx>
       <c:valAx>
-        <c:axId val="91009536"/>
+        <c:axId val="132337024"/>
         <c:scaling>
           <c:orientation val="minMax"/>
         </c:scaling>
@@ -1188,7 +1188,7 @@
         <c:majorTickMark val="none"/>
         <c:minorTickMark val="none"/>
         <c:tickLblPos val="nextTo"/>
-        <c:crossAx val="91475968"/>
+        <c:crossAx val="81381376"/>
         <c:crosses val="autoZero"/>
         <c:crossBetween val="between"/>
       </c:valAx>
@@ -1431,12 +1431,12 @@
         </c:dLbls>
         <c:gapWidth val="150"/>
         <c:shape val="box"/>
-        <c:axId val="110734848"/>
-        <c:axId val="109290624"/>
+        <c:axId val="81381888"/>
+        <c:axId val="132338752"/>
         <c:axId val="0"/>
       </c:bar3DChart>
       <c:catAx>
-        <c:axId val="110734848"/>
+        <c:axId val="81381888"/>
         <c:scaling>
           <c:orientation val="minMax"/>
         </c:scaling>
@@ -1446,7 +1446,7 @@
         <c:majorTickMark val="out"/>
         <c:minorTickMark val="none"/>
         <c:tickLblPos val="nextTo"/>
-        <c:crossAx val="109290624"/>
+        <c:crossAx val="132338752"/>
         <c:crosses val="autoZero"/>
         <c:auto val="1"/>
         <c:lblAlgn val="ctr"/>
@@ -1454,7 +1454,7 @@
         <c:noMultiLvlLbl val="0"/>
       </c:catAx>
       <c:valAx>
-        <c:axId val="109290624"/>
+        <c:axId val="132338752"/>
         <c:scaling>
           <c:orientation val="minMax"/>
         </c:scaling>
@@ -1465,7 +1465,7 @@
         <c:majorTickMark val="out"/>
         <c:minorTickMark val="none"/>
         <c:tickLblPos val="nextTo"/>
-        <c:crossAx val="110734848"/>
+        <c:crossAx val="81381888"/>
         <c:crosses val="autoZero"/>
         <c:crossBetween val="between"/>
       </c:valAx>
@@ -1557,12 +1557,12 @@
         </c:dLbls>
         <c:gapWidth val="150"/>
         <c:shape val="box"/>
-        <c:axId val="91479040"/>
-        <c:axId val="141266880"/>
+        <c:axId val="81643008"/>
+        <c:axId val="50577408"/>
         <c:axId val="0"/>
       </c:bar3DChart>
       <c:catAx>
-        <c:axId val="91479040"/>
+        <c:axId val="81643008"/>
         <c:scaling>
           <c:orientation val="minMax"/>
         </c:scaling>
@@ -1572,7 +1572,7 @@
         <c:majorTickMark val="none"/>
         <c:minorTickMark val="none"/>
         <c:tickLblPos val="nextTo"/>
-        <c:crossAx val="141266880"/>
+        <c:crossAx val="50577408"/>
         <c:crosses val="autoZero"/>
         <c:auto val="1"/>
         <c:lblAlgn val="ctr"/>
@@ -1580,7 +1580,7 @@
         <c:noMultiLvlLbl val="0"/>
       </c:catAx>
       <c:valAx>
-        <c:axId val="141266880"/>
+        <c:axId val="50577408"/>
         <c:scaling>
           <c:orientation val="minMax"/>
         </c:scaling>
@@ -1590,7 +1590,7 @@
         <c:majorTickMark val="none"/>
         <c:minorTickMark val="none"/>
         <c:tickLblPos val="nextTo"/>
-        <c:crossAx val="91479040"/>
+        <c:crossAx val="81643008"/>
         <c:crosses val="autoZero"/>
         <c:crossBetween val="between"/>
       </c:valAx>
@@ -1801,8 +1801,8 @@
           <c:showBubbleSize val="0"/>
         </c:dLbls>
         <c:gapWidth val="150"/>
-        <c:axId val="110437376"/>
-        <c:axId val="97107264"/>
+        <c:axId val="81643520"/>
+        <c:axId val="50579136"/>
       </c:barChart>
       <c:lineChart>
         <c:grouping val="standard"/>
@@ -1885,11 +1885,11 @@
         </c:dLbls>
         <c:marker val="1"/>
         <c:smooth val="0"/>
-        <c:axId val="140418560"/>
-        <c:axId val="109295808"/>
+        <c:axId val="81642496"/>
+        <c:axId val="50579712"/>
       </c:lineChart>
       <c:catAx>
-        <c:axId val="110437376"/>
+        <c:axId val="81643520"/>
         <c:scaling>
           <c:orientation val="minMax"/>
         </c:scaling>
@@ -1899,7 +1899,7 @@
         <c:majorTickMark val="out"/>
         <c:minorTickMark val="none"/>
         <c:tickLblPos val="nextTo"/>
-        <c:crossAx val="97107264"/>
+        <c:crossAx val="50579136"/>
         <c:crosses val="autoZero"/>
         <c:auto val="1"/>
         <c:lblAlgn val="ctr"/>
@@ -1907,7 +1907,7 @@
         <c:noMultiLvlLbl val="0"/>
       </c:catAx>
       <c:valAx>
-        <c:axId val="97107264"/>
+        <c:axId val="50579136"/>
         <c:scaling>
           <c:orientation val="minMax"/>
         </c:scaling>
@@ -1918,12 +1918,12 @@
         <c:majorTickMark val="out"/>
         <c:minorTickMark val="none"/>
         <c:tickLblPos val="nextTo"/>
-        <c:crossAx val="110437376"/>
+        <c:crossAx val="81643520"/>
         <c:crosses val="autoZero"/>
         <c:crossBetween val="between"/>
       </c:valAx>
       <c:valAx>
-        <c:axId val="109295808"/>
+        <c:axId val="50579712"/>
         <c:scaling>
           <c:orientation val="minMax"/>
         </c:scaling>
@@ -1933,12 +1933,12 @@
         <c:majorTickMark val="out"/>
         <c:minorTickMark val="none"/>
         <c:tickLblPos val="nextTo"/>
-        <c:crossAx val="140418560"/>
+        <c:crossAx val="81642496"/>
         <c:crosses val="max"/>
         <c:crossBetween val="between"/>
       </c:valAx>
       <c:catAx>
-        <c:axId val="140418560"/>
+        <c:axId val="81642496"/>
         <c:scaling>
           <c:orientation val="minMax"/>
         </c:scaling>
@@ -1947,7 +1947,7 @@
         <c:majorTickMark val="out"/>
         <c:minorTickMark val="none"/>
         <c:tickLblPos val="nextTo"/>
-        <c:crossAx val="109295808"/>
+        <c:crossAx val="50579712"/>
         <c:crosses val="autoZero"/>
         <c:auto val="1"/>
         <c:lblAlgn val="ctr"/>
@@ -2042,12 +2042,12 @@
         </c:dLbls>
         <c:gapWidth val="150"/>
         <c:shape val="box"/>
-        <c:axId val="91942912"/>
-        <c:axId val="97114880"/>
+        <c:axId val="83207680"/>
+        <c:axId val="50581440"/>
         <c:axId val="0"/>
       </c:bar3DChart>
       <c:catAx>
-        <c:axId val="91942912"/>
+        <c:axId val="83207680"/>
         <c:scaling>
           <c:orientation val="minMax"/>
         </c:scaling>
@@ -2057,7 +2057,7 @@
         <c:majorTickMark val="none"/>
         <c:minorTickMark val="none"/>
         <c:tickLblPos val="nextTo"/>
-        <c:crossAx val="97114880"/>
+        <c:crossAx val="50581440"/>
         <c:crosses val="autoZero"/>
         <c:auto val="1"/>
         <c:lblAlgn val="ctr"/>
@@ -2065,7 +2065,7 @@
         <c:noMultiLvlLbl val="0"/>
       </c:catAx>
       <c:valAx>
-        <c:axId val="97114880"/>
+        <c:axId val="50581440"/>
         <c:scaling>
           <c:orientation val="minMax"/>
         </c:scaling>
@@ -2075,7 +2075,7 @@
         <c:majorTickMark val="none"/>
         <c:minorTickMark val="none"/>
         <c:tickLblPos val="nextTo"/>
-        <c:crossAx val="91942912"/>
+        <c:crossAx val="83207680"/>
         <c:crosses val="autoZero"/>
         <c:crossBetween val="between"/>
       </c:valAx>
@@ -2316,11 +2316,11 @@
         </c:dLbls>
         <c:marker val="1"/>
         <c:smooth val="0"/>
-        <c:axId val="101359104"/>
-        <c:axId val="109292928"/>
+        <c:axId val="83208192"/>
+        <c:axId val="50583168"/>
       </c:lineChart>
       <c:catAx>
-        <c:axId val="101359104"/>
+        <c:axId val="83208192"/>
         <c:scaling>
           <c:orientation val="minMax"/>
         </c:scaling>
@@ -2329,7 +2329,7 @@
         <c:majorTickMark val="none"/>
         <c:minorTickMark val="none"/>
         <c:tickLblPos val="nextTo"/>
-        <c:crossAx val="109292928"/>
+        <c:crossAx val="50583168"/>
         <c:crosses val="autoZero"/>
         <c:auto val="1"/>
         <c:lblAlgn val="ctr"/>
@@ -2337,7 +2337,7 @@
         <c:noMultiLvlLbl val="0"/>
       </c:catAx>
       <c:valAx>
-        <c:axId val="109292928"/>
+        <c:axId val="50583168"/>
         <c:scaling>
           <c:orientation val="minMax"/>
         </c:scaling>
@@ -2347,7 +2347,7 @@
         <c:majorTickMark val="none"/>
         <c:minorTickMark val="none"/>
         <c:tickLblPos val="nextTo"/>
-        <c:crossAx val="101359104"/>
+        <c:crossAx val="83208192"/>
         <c:crosses val="autoZero"/>
         <c:crossBetween val="between"/>
       </c:valAx>
@@ -2439,12 +2439,12 @@
         </c:dLbls>
         <c:gapWidth val="150"/>
         <c:shape val="box"/>
-        <c:axId val="91508224"/>
-        <c:axId val="90735168"/>
+        <c:axId val="85279232"/>
+        <c:axId val="54419456"/>
         <c:axId val="0"/>
       </c:bar3DChart>
       <c:catAx>
-        <c:axId val="91508224"/>
+        <c:axId val="85279232"/>
         <c:scaling>
           <c:orientation val="minMax"/>
         </c:scaling>
@@ -2454,7 +2454,7 @@
         <c:majorTickMark val="none"/>
         <c:minorTickMark val="none"/>
         <c:tickLblPos val="nextTo"/>
-        <c:crossAx val="90735168"/>
+        <c:crossAx val="54419456"/>
         <c:crosses val="autoZero"/>
         <c:auto val="1"/>
         <c:lblAlgn val="ctr"/>
@@ -2462,7 +2462,7 @@
         <c:noMultiLvlLbl val="0"/>
       </c:catAx>
       <c:valAx>
-        <c:axId val="90735168"/>
+        <c:axId val="54419456"/>
         <c:scaling>
           <c:orientation val="minMax"/>
         </c:scaling>
@@ -2472,7 +2472,7 @@
         <c:majorTickMark val="none"/>
         <c:minorTickMark val="none"/>
         <c:tickLblPos val="nextTo"/>
-        <c:crossAx val="91508224"/>
+        <c:crossAx val="85279232"/>
         <c:crosses val="autoZero"/>
         <c:crossBetween val="between"/>
       </c:valAx>
@@ -2573,12 +2573,12 @@
         </c:dLbls>
         <c:gapWidth val="150"/>
         <c:shape val="box"/>
-        <c:axId val="42425856"/>
-        <c:axId val="110861632"/>
+        <c:axId val="52209152"/>
+        <c:axId val="85918848"/>
         <c:axId val="0"/>
       </c:bar3DChart>
       <c:catAx>
-        <c:axId val="42425856"/>
+        <c:axId val="52209152"/>
         <c:scaling>
           <c:orientation val="minMax"/>
         </c:scaling>
@@ -2588,7 +2588,7 @@
         <c:majorTickMark val="none"/>
         <c:minorTickMark val="none"/>
         <c:tickLblPos val="nextTo"/>
-        <c:crossAx val="110861632"/>
+        <c:crossAx val="85918848"/>
         <c:crosses val="autoZero"/>
         <c:auto val="1"/>
         <c:lblAlgn val="ctr"/>
@@ -2596,7 +2596,7 @@
         <c:noMultiLvlLbl val="0"/>
       </c:catAx>
       <c:valAx>
-        <c:axId val="110861632"/>
+        <c:axId val="85918848"/>
         <c:scaling>
           <c:orientation val="minMax"/>
         </c:scaling>
@@ -2606,7 +2606,7 @@
         <c:majorTickMark val="none"/>
         <c:minorTickMark val="none"/>
         <c:tickLblPos val="nextTo"/>
-        <c:crossAx val="42425856"/>
+        <c:crossAx val="52209152"/>
         <c:crosses val="autoZero"/>
         <c:crossBetween val="between"/>
       </c:valAx>
@@ -2706,11 +2706,11 @@
         </c:dLbls>
         <c:marker val="1"/>
         <c:smooth val="0"/>
-        <c:axId val="91895296"/>
-        <c:axId val="90736896"/>
+        <c:axId val="85280256"/>
+        <c:axId val="54421184"/>
       </c:lineChart>
       <c:catAx>
-        <c:axId val="91895296"/>
+        <c:axId val="85280256"/>
         <c:scaling>
           <c:orientation val="minMax"/>
         </c:scaling>
@@ -2720,7 +2720,7 @@
         <c:majorTickMark val="none"/>
         <c:minorTickMark val="none"/>
         <c:tickLblPos val="nextTo"/>
-        <c:crossAx val="90736896"/>
+        <c:crossAx val="54421184"/>
         <c:crosses val="autoZero"/>
         <c:auto val="1"/>
         <c:lblAlgn val="ctr"/>
@@ -2728,7 +2728,7 @@
         <c:noMultiLvlLbl val="0"/>
       </c:catAx>
       <c:valAx>
-        <c:axId val="90736896"/>
+        <c:axId val="54421184"/>
         <c:scaling>
           <c:orientation val="minMax"/>
         </c:scaling>
@@ -2738,7 +2738,7 @@
         <c:majorTickMark val="none"/>
         <c:minorTickMark val="none"/>
         <c:tickLblPos val="nextTo"/>
-        <c:crossAx val="91895296"/>
+        <c:crossAx val="85280256"/>
         <c:crosses val="autoZero"/>
         <c:crossBetween val="between"/>
       </c:valAx>
@@ -2929,12 +2929,12 @@
         </c:dLbls>
         <c:gapWidth val="100"/>
         <c:shape val="cylinder"/>
-        <c:axId val="89473024"/>
-        <c:axId val="97108544"/>
+        <c:axId val="85280768"/>
+        <c:axId val="54422912"/>
         <c:axId val="0"/>
       </c:bar3DChart>
       <c:catAx>
-        <c:axId val="89473024"/>
+        <c:axId val="85280768"/>
         <c:scaling>
           <c:orientation val="minMax"/>
         </c:scaling>
@@ -2953,14 +2953,15 @@
             <a:endParaRPr lang="ko-KR"/>
           </a:p>
         </c:txPr>
-        <c:crossAx val="97108544"/>
+        <c:crossAx val="54422912"/>
+        <c:crosses val="autoZero"/>
         <c:auto val="1"/>
         <c:lblAlgn val="ctr"/>
         <c:lblOffset val="100"/>
         <c:noMultiLvlLbl val="0"/>
       </c:catAx>
       <c:valAx>
-        <c:axId val="97108544"/>
+        <c:axId val="54422912"/>
         <c:scaling>
           <c:orientation val="minMax"/>
         </c:scaling>
@@ -2971,7 +2972,8 @@
         <c:majorTickMark val="out"/>
         <c:minorTickMark val="none"/>
         <c:tickLblPos val="nextTo"/>
-        <c:crossAx val="89473024"/>
+        <c:crossAx val="85280768"/>
+        <c:crosses val="autoZero"/>
         <c:crossBetween val="between"/>
       </c:valAx>
     </c:plotArea>
@@ -3067,12 +3069,12 @@
         </c:dLbls>
         <c:gapWidth val="150"/>
         <c:shape val="box"/>
-        <c:axId val="92334592"/>
-        <c:axId val="141269760"/>
+        <c:axId val="86020096"/>
+        <c:axId val="54425216"/>
         <c:axId val="0"/>
       </c:bar3DChart>
       <c:catAx>
-        <c:axId val="92334592"/>
+        <c:axId val="86020096"/>
         <c:scaling>
           <c:orientation val="minMax"/>
         </c:scaling>
@@ -3082,7 +3084,7 @@
         <c:majorTickMark val="none"/>
         <c:minorTickMark val="none"/>
         <c:tickLblPos val="nextTo"/>
-        <c:crossAx val="141269760"/>
+        <c:crossAx val="54425216"/>
         <c:crosses val="autoZero"/>
         <c:auto val="1"/>
         <c:lblAlgn val="ctr"/>
@@ -3090,7 +3092,7 @@
         <c:noMultiLvlLbl val="0"/>
       </c:catAx>
       <c:valAx>
-        <c:axId val="141269760"/>
+        <c:axId val="54425216"/>
         <c:scaling>
           <c:orientation val="minMax"/>
         </c:scaling>
@@ -3100,7 +3102,7 @@
         <c:majorTickMark val="none"/>
         <c:minorTickMark val="none"/>
         <c:tickLblPos val="nextTo"/>
-        <c:crossAx val="92334592"/>
+        <c:crossAx val="86020096"/>
         <c:crosses val="autoZero"/>
         <c:crossBetween val="between"/>
       </c:valAx>
@@ -3200,11 +3202,11 @@
         </c:dLbls>
         <c:marker val="1"/>
         <c:smooth val="0"/>
-        <c:axId val="92335104"/>
-        <c:axId val="141279808"/>
+        <c:axId val="86020608"/>
+        <c:axId val="54426944"/>
       </c:lineChart>
       <c:catAx>
-        <c:axId val="92335104"/>
+        <c:axId val="86020608"/>
         <c:scaling>
           <c:orientation val="minMax"/>
         </c:scaling>
@@ -3214,7 +3216,7 @@
         <c:majorTickMark val="none"/>
         <c:minorTickMark val="none"/>
         <c:tickLblPos val="nextTo"/>
-        <c:crossAx val="141279808"/>
+        <c:crossAx val="54426944"/>
         <c:crosses val="autoZero"/>
         <c:auto val="1"/>
         <c:lblAlgn val="ctr"/>
@@ -3222,7 +3224,7 @@
         <c:noMultiLvlLbl val="0"/>
       </c:catAx>
       <c:valAx>
-        <c:axId val="141279808"/>
+        <c:axId val="54426944"/>
         <c:scaling>
           <c:orientation val="minMax"/>
         </c:scaling>
@@ -3232,7 +3234,7 @@
         <c:majorTickMark val="none"/>
         <c:minorTickMark val="none"/>
         <c:tickLblPos val="nextTo"/>
-        <c:crossAx val="92335104"/>
+        <c:crossAx val="86020608"/>
         <c:crosses val="autoZero"/>
         <c:crossBetween val="between"/>
       </c:valAx>
@@ -3447,11 +3449,11 @@
           <c:showBubbleSize val="0"/>
         </c:dLbls>
         <c:gapWidth val="181"/>
-        <c:axId val="109790720"/>
-        <c:axId val="152119552"/>
+        <c:axId val="86021632"/>
+        <c:axId val="126338176"/>
       </c:barChart>
       <c:catAx>
-        <c:axId val="109790720"/>
+        <c:axId val="86021632"/>
         <c:scaling>
           <c:orientation val="minMax"/>
         </c:scaling>
@@ -3460,7 +3462,7 @@
         <c:majorTickMark val="none"/>
         <c:minorTickMark val="none"/>
         <c:tickLblPos val="nextTo"/>
-        <c:crossAx val="152119552"/>
+        <c:crossAx val="126338176"/>
         <c:crosses val="autoZero"/>
         <c:auto val="1"/>
         <c:lblAlgn val="ctr"/>
@@ -3468,7 +3470,7 @@
         <c:noMultiLvlLbl val="0"/>
       </c:catAx>
       <c:valAx>
-        <c:axId val="152119552"/>
+        <c:axId val="126338176"/>
         <c:scaling>
           <c:orientation val="minMax"/>
         </c:scaling>
@@ -3478,7 +3480,7 @@
         <c:majorTickMark val="out"/>
         <c:minorTickMark val="none"/>
         <c:tickLblPos val="nextTo"/>
-        <c:crossAx val="109790720"/>
+        <c:crossAx val="86021632"/>
         <c:crosses val="autoZero"/>
         <c:crossBetween val="between"/>
       </c:valAx>
@@ -3565,12 +3567,12 @@
         </c:dLbls>
         <c:gapWidth val="150"/>
         <c:shape val="box"/>
-        <c:axId val="92875264"/>
-        <c:axId val="90760896"/>
+        <c:axId val="86023680"/>
+        <c:axId val="126340480"/>
         <c:axId val="0"/>
       </c:bar3DChart>
       <c:catAx>
-        <c:axId val="92875264"/>
+        <c:axId val="86023680"/>
         <c:scaling>
           <c:orientation val="minMax"/>
         </c:scaling>
@@ -3580,7 +3582,7 @@
         <c:majorTickMark val="none"/>
         <c:minorTickMark val="none"/>
         <c:tickLblPos val="nextTo"/>
-        <c:crossAx val="90760896"/>
+        <c:crossAx val="126340480"/>
         <c:crosses val="autoZero"/>
         <c:auto val="1"/>
         <c:lblAlgn val="ctr"/>
@@ -3588,7 +3590,7 @@
         <c:noMultiLvlLbl val="0"/>
       </c:catAx>
       <c:valAx>
-        <c:axId val="90760896"/>
+        <c:axId val="126340480"/>
         <c:scaling>
           <c:orientation val="minMax"/>
         </c:scaling>
@@ -3598,7 +3600,7 @@
         <c:majorTickMark val="none"/>
         <c:minorTickMark val="none"/>
         <c:tickLblPos val="nextTo"/>
-        <c:crossAx val="92875264"/>
+        <c:crossAx val="86023680"/>
         <c:crosses val="autoZero"/>
         <c:crossBetween val="between"/>
       </c:valAx>
@@ -3698,11 +3700,11 @@
         </c:dLbls>
         <c:marker val="1"/>
         <c:smooth val="0"/>
-        <c:axId val="92875776"/>
-        <c:axId val="90762624"/>
+        <c:axId val="86204416"/>
+        <c:axId val="126342208"/>
       </c:lineChart>
       <c:catAx>
-        <c:axId val="92875776"/>
+        <c:axId val="86204416"/>
         <c:scaling>
           <c:orientation val="minMax"/>
         </c:scaling>
@@ -3712,7 +3714,7 @@
         <c:majorTickMark val="none"/>
         <c:minorTickMark val="none"/>
         <c:tickLblPos val="nextTo"/>
-        <c:crossAx val="90762624"/>
+        <c:crossAx val="126342208"/>
         <c:crosses val="autoZero"/>
         <c:auto val="1"/>
         <c:lblAlgn val="ctr"/>
@@ -3720,7 +3722,7 @@
         <c:noMultiLvlLbl val="0"/>
       </c:catAx>
       <c:valAx>
-        <c:axId val="90762624"/>
+        <c:axId val="126342208"/>
         <c:scaling>
           <c:orientation val="minMax"/>
         </c:scaling>
@@ -3730,7 +3732,7 @@
         <c:majorTickMark val="none"/>
         <c:minorTickMark val="none"/>
         <c:tickLblPos val="nextTo"/>
-        <c:crossAx val="92875776"/>
+        <c:crossAx val="86204416"/>
         <c:crosses val="autoZero"/>
         <c:crossBetween val="between"/>
       </c:valAx>
@@ -4049,11 +4051,11 @@
           <c:showPercent val="0"/>
           <c:showBubbleSize val="0"/>
         </c:dLbls>
-        <c:axId val="107509760"/>
-        <c:axId val="109635840"/>
+        <c:axId val="86204928"/>
+        <c:axId val="126343936"/>
       </c:radarChart>
       <c:catAx>
-        <c:axId val="107509760"/>
+        <c:axId val="86204928"/>
         <c:scaling>
           <c:orientation val="minMax"/>
         </c:scaling>
@@ -4063,7 +4065,7 @@
         <c:majorTickMark val="out"/>
         <c:minorTickMark val="none"/>
         <c:tickLblPos val="nextTo"/>
-        <c:crossAx val="109635840"/>
+        <c:crossAx val="126343936"/>
         <c:crosses val="autoZero"/>
         <c:auto val="1"/>
         <c:lblAlgn val="ctr"/>
@@ -4071,7 +4073,7 @@
         <c:noMultiLvlLbl val="0"/>
       </c:catAx>
       <c:valAx>
-        <c:axId val="109635840"/>
+        <c:axId val="126343936"/>
         <c:scaling>
           <c:orientation val="minMax"/>
         </c:scaling>
@@ -4082,7 +4084,7 @@
         <c:majorTickMark val="cross"/>
         <c:minorTickMark val="none"/>
         <c:tickLblPos val="nextTo"/>
-        <c:crossAx val="107509760"/>
+        <c:crossAx val="86204928"/>
         <c:crosses val="autoZero"/>
         <c:crossBetween val="between"/>
       </c:valAx>
@@ -4316,11 +4318,11 @@
         </c:dLbls>
         <c:marker val="1"/>
         <c:smooth val="0"/>
-        <c:axId val="65536000"/>
-        <c:axId val="81923456"/>
+        <c:axId val="52209664"/>
+        <c:axId val="85959232"/>
       </c:lineChart>
       <c:catAx>
-        <c:axId val="65536000"/>
+        <c:axId val="52209664"/>
         <c:scaling>
           <c:orientation val="minMax"/>
         </c:scaling>
@@ -4330,7 +4332,7 @@
         <c:majorTickMark val="none"/>
         <c:minorTickMark val="none"/>
         <c:tickLblPos val="nextTo"/>
-        <c:crossAx val="81923456"/>
+        <c:crossAx val="85959232"/>
         <c:crosses val="autoZero"/>
         <c:auto val="1"/>
         <c:lblAlgn val="ctr"/>
@@ -4338,7 +4340,7 @@
         <c:noMultiLvlLbl val="0"/>
       </c:catAx>
       <c:valAx>
-        <c:axId val="81923456"/>
+        <c:axId val="85959232"/>
         <c:scaling>
           <c:orientation val="minMax"/>
         </c:scaling>
@@ -4348,7 +4350,7 @@
         <c:majorTickMark val="none"/>
         <c:minorTickMark val="none"/>
         <c:tickLblPos val="nextTo"/>
-        <c:crossAx val="65536000"/>
+        <c:crossAx val="52209664"/>
         <c:crosses val="autoZero"/>
         <c:crossBetween val="between"/>
       </c:valAx>
@@ -4449,12 +4451,12 @@
         </c:dLbls>
         <c:gapWidth val="150"/>
         <c:shape val="box"/>
-        <c:axId val="90427904"/>
-        <c:axId val="141262848"/>
+        <c:axId val="52389376"/>
+        <c:axId val="85961536"/>
         <c:axId val="0"/>
       </c:bar3DChart>
       <c:catAx>
-        <c:axId val="90427904"/>
+        <c:axId val="52389376"/>
         <c:scaling>
           <c:orientation val="minMax"/>
         </c:scaling>
@@ -4464,7 +4466,7 @@
         <c:majorTickMark val="none"/>
         <c:minorTickMark val="none"/>
         <c:tickLblPos val="nextTo"/>
-        <c:crossAx val="141262848"/>
+        <c:crossAx val="85961536"/>
         <c:crosses val="autoZero"/>
         <c:auto val="1"/>
         <c:lblAlgn val="ctr"/>
@@ -4472,7 +4474,7 @@
         <c:noMultiLvlLbl val="0"/>
       </c:catAx>
       <c:valAx>
-        <c:axId val="141262848"/>
+        <c:axId val="85961536"/>
         <c:scaling>
           <c:orientation val="minMax"/>
         </c:scaling>
@@ -4482,7 +4484,7 @@
         <c:majorTickMark val="none"/>
         <c:minorTickMark val="none"/>
         <c:tickLblPos val="nextTo"/>
-        <c:crossAx val="90427904"/>
+        <c:crossAx val="52389376"/>
         <c:crosses val="autoZero"/>
         <c:crossBetween val="between"/>
       </c:valAx>
@@ -4582,11 +4584,11 @@
         </c:dLbls>
         <c:marker val="1"/>
         <c:smooth val="0"/>
-        <c:axId val="91429376"/>
-        <c:axId val="97109696"/>
+        <c:axId val="52389888"/>
+        <c:axId val="85963264"/>
       </c:lineChart>
       <c:catAx>
-        <c:axId val="91429376"/>
+        <c:axId val="52389888"/>
         <c:scaling>
           <c:orientation val="minMax"/>
         </c:scaling>
@@ -4596,7 +4598,7 @@
         <c:majorTickMark val="none"/>
         <c:minorTickMark val="none"/>
         <c:tickLblPos val="nextTo"/>
-        <c:crossAx val="97109696"/>
+        <c:crossAx val="85963264"/>
         <c:crosses val="autoZero"/>
         <c:auto val="1"/>
         <c:lblAlgn val="ctr"/>
@@ -4604,7 +4606,7 @@
         <c:noMultiLvlLbl val="0"/>
       </c:catAx>
       <c:valAx>
-        <c:axId val="97109696"/>
+        <c:axId val="85963264"/>
         <c:scaling>
           <c:orientation val="minMax"/>
         </c:scaling>
@@ -4614,7 +4616,7 @@
         <c:majorTickMark val="none"/>
         <c:minorTickMark val="none"/>
         <c:tickLblPos val="nextTo"/>
-        <c:crossAx val="91429376"/>
+        <c:crossAx val="52389888"/>
         <c:crosses val="autoZero"/>
         <c:crossBetween val="between"/>
       </c:valAx>
@@ -4850,11 +4852,11 @@
         </c:dLbls>
         <c:marker val="1"/>
         <c:smooth val="0"/>
-        <c:axId val="103331328"/>
-        <c:axId val="97114304"/>
+        <c:axId val="52390400"/>
+        <c:axId val="85964992"/>
       </c:lineChart>
       <c:catAx>
-        <c:axId val="103331328"/>
+        <c:axId val="52390400"/>
         <c:scaling>
           <c:orientation val="minMax"/>
         </c:scaling>
@@ -4864,7 +4866,7 @@
         <c:majorTickMark val="none"/>
         <c:minorTickMark val="none"/>
         <c:tickLblPos val="nextTo"/>
-        <c:crossAx val="97114304"/>
+        <c:crossAx val="85964992"/>
         <c:crosses val="autoZero"/>
         <c:auto val="1"/>
         <c:lblAlgn val="ctr"/>
@@ -4872,7 +4874,7 @@
         <c:noMultiLvlLbl val="0"/>
       </c:catAx>
       <c:valAx>
-        <c:axId val="97114304"/>
+        <c:axId val="85964992"/>
         <c:scaling>
           <c:orientation val="minMax"/>
         </c:scaling>
@@ -4882,7 +4884,7 @@
         <c:majorTickMark val="none"/>
         <c:minorTickMark val="none"/>
         <c:tickLblPos val="nextTo"/>
-        <c:crossAx val="103331328"/>
+        <c:crossAx val="52390400"/>
         <c:crosses val="autoZero"/>
         <c:crossBetween val="between"/>
       </c:valAx>
@@ -4974,12 +4976,12 @@
         </c:dLbls>
         <c:gapWidth val="150"/>
         <c:shape val="box"/>
-        <c:axId val="90430976"/>
-        <c:axId val="110857024"/>
+        <c:axId val="53014016"/>
+        <c:axId val="50528256"/>
         <c:axId val="0"/>
       </c:bar3DChart>
       <c:catAx>
-        <c:axId val="90430976"/>
+        <c:axId val="53014016"/>
         <c:scaling>
           <c:orientation val="minMax"/>
         </c:scaling>
@@ -4989,7 +4991,7 @@
         <c:majorTickMark val="none"/>
         <c:minorTickMark val="none"/>
         <c:tickLblPos val="nextTo"/>
-        <c:crossAx val="110857024"/>
+        <c:crossAx val="50528256"/>
         <c:crosses val="autoZero"/>
         <c:auto val="1"/>
         <c:lblAlgn val="ctr"/>
@@ -4997,7 +4999,7 @@
         <c:noMultiLvlLbl val="0"/>
       </c:catAx>
       <c:valAx>
-        <c:axId val="110857024"/>
+        <c:axId val="50528256"/>
         <c:scaling>
           <c:orientation val="minMax"/>
         </c:scaling>
@@ -5007,7 +5009,7 @@
         <c:majorTickMark val="none"/>
         <c:minorTickMark val="none"/>
         <c:tickLblPos val="nextTo"/>
-        <c:crossAx val="90430976"/>
+        <c:crossAx val="53014016"/>
         <c:crosses val="autoZero"/>
         <c:crossBetween val="between"/>
       </c:valAx>
@@ -5165,11 +5167,11 @@
         </c:dLbls>
         <c:marker val="1"/>
         <c:smooth val="0"/>
-        <c:axId val="110328320"/>
-        <c:axId val="97102656"/>
+        <c:axId val="53227520"/>
+        <c:axId val="50529984"/>
       </c:lineChart>
       <c:catAx>
-        <c:axId val="110328320"/>
+        <c:axId val="53227520"/>
         <c:scaling>
           <c:orientation val="minMax"/>
         </c:scaling>
@@ -5179,7 +5181,7 @@
         <c:majorTickMark val="none"/>
         <c:minorTickMark val="none"/>
         <c:tickLblPos val="nextTo"/>
-        <c:crossAx val="97102656"/>
+        <c:crossAx val="50529984"/>
         <c:crosses val="autoZero"/>
         <c:auto val="1"/>
         <c:lblAlgn val="ctr"/>
@@ -5187,7 +5189,7 @@
         <c:noMultiLvlLbl val="0"/>
       </c:catAx>
       <c:valAx>
-        <c:axId val="97102656"/>
+        <c:axId val="50529984"/>
         <c:scaling>
           <c:orientation val="minMax"/>
         </c:scaling>
@@ -5197,7 +5199,7 @@
         <c:majorTickMark val="none"/>
         <c:minorTickMark val="none"/>
         <c:tickLblPos val="nextTo"/>
-        <c:crossAx val="110328320"/>
+        <c:crossAx val="53227520"/>
         <c:crosses val="autoZero"/>
         <c:crossBetween val="between"/>
       </c:valAx>
@@ -5289,12 +5291,12 @@
         </c:dLbls>
         <c:gapWidth val="150"/>
         <c:shape val="box"/>
-        <c:axId val="91399168"/>
-        <c:axId val="90984384"/>
+        <c:axId val="53229568"/>
+        <c:axId val="50532288"/>
         <c:axId val="0"/>
       </c:bar3DChart>
       <c:catAx>
-        <c:axId val="91399168"/>
+        <c:axId val="53229568"/>
         <c:scaling>
           <c:orientation val="minMax"/>
         </c:scaling>
@@ -5304,7 +5306,7 @@
         <c:majorTickMark val="none"/>
         <c:minorTickMark val="none"/>
         <c:tickLblPos val="nextTo"/>
-        <c:crossAx val="90984384"/>
+        <c:crossAx val="50532288"/>
         <c:crosses val="autoZero"/>
         <c:auto val="1"/>
         <c:lblAlgn val="ctr"/>
@@ -5312,7 +5314,7 @@
         <c:noMultiLvlLbl val="0"/>
       </c:catAx>
       <c:valAx>
-        <c:axId val="90984384"/>
+        <c:axId val="50532288"/>
         <c:scaling>
           <c:orientation val="minMax"/>
         </c:scaling>
@@ -5322,7 +5324,7 @@
         <c:majorTickMark val="none"/>
         <c:minorTickMark val="none"/>
         <c:tickLblPos val="nextTo"/>
-        <c:crossAx val="91399168"/>
+        <c:crossAx val="53229568"/>
         <c:crosses val="autoZero"/>
         <c:crossBetween val="between"/>
       </c:valAx>
@@ -8792,7 +8794,7 @@
         </p:spPr>
         <p:txBody>
           <a:bodyPr vert="horz" lIns="91440" tIns="45720" rIns="91440" bIns="45720" rtlCol="0" anchor="ctr">
-            <a:normAutofit fontScale="97500"/>
+            <a:normAutofit fontScale="82500" lnSpcReduction="20000"/>
           </a:bodyPr>
           <a:lstStyle>
             <a:lvl1pPr algn="ctr" defTabSz="914400" rtl="0" eaLnBrk="1" latinLnBrk="1" hangingPunct="1">
@@ -8812,7 +8814,7 @@
           </a:lstStyle>
           <a:p>
             <a:r>
-              <a:rPr lang="ko-KR" altLang="en-US" sz="2800" dirty="0" err="1" smtClean="0">
+              <a:rPr lang="en-US" altLang="ko-KR" sz="2800" dirty="0" smtClean="0">
                 <a:solidFill>
                   <a:schemeClr val="tx1">
                     <a:lumMod val="85000"/>
@@ -8822,10 +8824,10 @@
                 <a:latin typeface="나눔스퀘어라운드 Bold" panose="020B0600000101010101" pitchFamily="50" charset="-127"/>
                 <a:ea typeface="나눔스퀘어라운드 Bold" panose="020B0600000101010101" pitchFamily="50" charset="-127"/>
               </a:rPr>
-              <a:t>하이브적용예제문제</a:t>
-            </a:r>
-            <a:r>
-              <a:rPr lang="en-US" altLang="ko-KR" sz="2800" dirty="0" smtClean="0">
+              <a:t>HIVE </a:t>
+            </a:r>
+            <a:r>
+              <a:rPr lang="ko-KR" altLang="en-US" sz="2800" dirty="0" smtClean="0">
                 <a:solidFill>
                   <a:schemeClr val="tx1">
                     <a:lumMod val="85000"/>
@@ -8835,9 +8837,88 @@
                 <a:latin typeface="나눔스퀘어라운드 Bold" panose="020B0600000101010101" pitchFamily="50" charset="-127"/>
                 <a:ea typeface="나눔스퀘어라운드 Bold" panose="020B0600000101010101" pitchFamily="50" charset="-127"/>
               </a:rPr>
-              <a:t>_190920</a:t>
-            </a:r>
-            <a:endParaRPr lang="ko-KR" altLang="en-US" sz="2800" dirty="0">
+              <a:t>예제문제 </a:t>
+            </a:r>
+            <a:r>
+              <a:rPr lang="en-US" altLang="ko-KR" sz="2800" dirty="0" smtClean="0">
+                <a:solidFill>
+                  <a:schemeClr val="tx1">
+                    <a:lumMod val="85000"/>
+                    <a:lumOff val="15000"/>
+                  </a:schemeClr>
+                </a:solidFill>
+                <a:latin typeface="나눔스퀘어라운드 Bold" panose="020B0600000101010101" pitchFamily="50" charset="-127"/>
+                <a:ea typeface="나눔스퀘어라운드 Bold" panose="020B0600000101010101" pitchFamily="50" charset="-127"/>
+              </a:rPr>
+              <a:t>– </a:t>
+            </a:r>
+            <a:r>
+              <a:rPr lang="en-US" altLang="ko-KR" sz="2800" dirty="0" err="1" smtClean="0">
+                <a:solidFill>
+                  <a:schemeClr val="tx1">
+                    <a:lumMod val="85000"/>
+                    <a:lumOff val="15000"/>
+                  </a:schemeClr>
+                </a:solidFill>
+                <a:latin typeface="나눔스퀘어라운드 Bold" panose="020B0600000101010101" pitchFamily="50" charset="-127"/>
+                <a:ea typeface="나눔스퀘어라운드 Bold" panose="020B0600000101010101" pitchFamily="50" charset="-127"/>
+              </a:rPr>
+              <a:t>Airdelay</a:t>
+            </a:r>
+            <a:r>
+              <a:rPr lang="en-US" altLang="ko-KR" sz="2800" dirty="0" smtClean="0">
+                <a:solidFill>
+                  <a:schemeClr val="tx1">
+                    <a:lumMod val="85000"/>
+                    <a:lumOff val="15000"/>
+                  </a:schemeClr>
+                </a:solidFill>
+                <a:latin typeface="나눔스퀘어라운드 Bold" panose="020B0600000101010101" pitchFamily="50" charset="-127"/>
+                <a:ea typeface="나눔스퀘어라운드 Bold" panose="020B0600000101010101" pitchFamily="50" charset="-127"/>
+              </a:rPr>
+              <a:t> Table</a:t>
+            </a:r>
+          </a:p>
+          <a:p>
+            <a:r>
+              <a:rPr lang="en-US" altLang="ko-KR" sz="1800" dirty="0" smtClean="0">
+                <a:solidFill>
+                  <a:schemeClr val="tx1">
+                    <a:lumMod val="85000"/>
+                    <a:lumOff val="15000"/>
+                  </a:schemeClr>
+                </a:solidFill>
+                <a:latin typeface="나눔스퀘어라운드 Bold" panose="020B0600000101010101" pitchFamily="50" charset="-127"/>
+                <a:ea typeface="나눔스퀘어라운드 Bold" panose="020B0600000101010101" pitchFamily="50" charset="-127"/>
+              </a:rPr>
+              <a:t/>
+            </a:r>
+            <a:br>
+              <a:rPr lang="en-US" altLang="ko-KR" sz="1800" dirty="0" smtClean="0">
+                <a:solidFill>
+                  <a:schemeClr val="tx1">
+                    <a:lumMod val="85000"/>
+                    <a:lumOff val="15000"/>
+                  </a:schemeClr>
+                </a:solidFill>
+                <a:latin typeface="나눔스퀘어라운드 Bold" panose="020B0600000101010101" pitchFamily="50" charset="-127"/>
+                <a:ea typeface="나눔스퀘어라운드 Bold" panose="020B0600000101010101" pitchFamily="50" charset="-127"/>
+              </a:rPr>
+            </a:br>
+            <a:r>
+              <a:rPr lang="ko-KR" altLang="en-US" sz="1900" dirty="0" smtClean="0">
+                <a:solidFill>
+                  <a:schemeClr val="tx1">
+                    <a:lumMod val="85000"/>
+                    <a:lumOff val="15000"/>
+                  </a:schemeClr>
+                </a:solidFill>
+                <a:latin typeface="나눔스퀘어라운드 Bold" panose="020B0600000101010101" pitchFamily="50" charset="-127"/>
+                <a:ea typeface="나눔스퀘어라운드 Bold" panose="020B0600000101010101" pitchFamily="50" charset="-127"/>
+              </a:rPr>
+              <a:t>임원기</a:t>
+            </a:r>
+            <a:endParaRPr lang="ko-KR" altLang="en-US" sz="1900" dirty="0">
               <a:solidFill>
                 <a:schemeClr val="tx1">
                   <a:lumMod val="85000"/>
